--- a/JS/10. Callback, Async, Await/JS_10.pptx
+++ b/JS/10. Callback, Async, Await/JS_10.pptx
@@ -204,7 +204,7 @@
           <a:p>
             <a:fld id="{A042D914-BB65-4391-870D-38FECA74B488}" type="datetimeFigureOut">
               <a:rPr lang="en-US" smtClean="0"/>
-              <a:t>12/4/2024</a:t>
+              <a:t>12/5/2024</a:t>
             </a:fld>
             <a:endParaRPr lang="en-US"/>
           </a:p>
@@ -685,7 +685,7 @@
           <a:p>
             <a:fld id="{4DE3B8FE-1D2D-49AE-BFC8-FB35E95B8F74}" type="datetimeFigureOut">
               <a:rPr lang="en-US" smtClean="0"/>
-              <a:t>12/4/2024</a:t>
+              <a:t>12/5/2024</a:t>
             </a:fld>
             <a:endParaRPr lang="en-US"/>
           </a:p>
@@ -976,7 +976,7 @@
           <a:p>
             <a:fld id="{4DE3B8FE-1D2D-49AE-BFC8-FB35E95B8F74}" type="datetimeFigureOut">
               <a:rPr lang="en-US" smtClean="0"/>
-              <a:t>12/4/2024</a:t>
+              <a:t>12/5/2024</a:t>
             </a:fld>
             <a:endParaRPr lang="en-US"/>
           </a:p>
@@ -1235,7 +1235,7 @@
           <a:p>
             <a:fld id="{4DE3B8FE-1D2D-49AE-BFC8-FB35E95B8F74}" type="datetimeFigureOut">
               <a:rPr lang="en-US" smtClean="0"/>
-              <a:t>12/4/2024</a:t>
+              <a:t>12/5/2024</a:t>
             </a:fld>
             <a:endParaRPr lang="en-US"/>
           </a:p>
@@ -1704,7 +1704,7 @@
           <a:p>
             <a:fld id="{4DE3B8FE-1D2D-49AE-BFC8-FB35E95B8F74}" type="datetimeFigureOut">
               <a:rPr lang="en-US" smtClean="0"/>
-              <a:t>12/4/2024</a:t>
+              <a:t>12/5/2024</a:t>
             </a:fld>
             <a:endParaRPr lang="en-US"/>
           </a:p>
@@ -1884,7 +1884,7 @@
           <a:p>
             <a:fld id="{4DE3B8FE-1D2D-49AE-BFC8-FB35E95B8F74}" type="datetimeFigureOut">
               <a:rPr lang="en-US" smtClean="0"/>
-              <a:t>12/4/2024</a:t>
+              <a:t>12/5/2024</a:t>
             </a:fld>
             <a:endParaRPr lang="en-US"/>
           </a:p>
@@ -2460,7 +2460,7 @@
           <a:p>
             <a:fld id="{4DE3B8FE-1D2D-49AE-BFC8-FB35E95B8F74}" type="datetimeFigureOut">
               <a:rPr lang="en-US" smtClean="0"/>
-              <a:t>12/4/2024</a:t>
+              <a:t>12/5/2024</a:t>
             </a:fld>
             <a:endParaRPr lang="en-US"/>
           </a:p>
@@ -2792,7 +2792,7 @@
           <a:p>
             <a:fld id="{4DE3B8FE-1D2D-49AE-BFC8-FB35E95B8F74}" type="datetimeFigureOut">
               <a:rPr lang="en-US" smtClean="0"/>
-              <a:t>12/4/2024</a:t>
+              <a:t>12/5/2024</a:t>
             </a:fld>
             <a:endParaRPr lang="en-US"/>
           </a:p>
@@ -2967,7 +2967,7 @@
           <a:p>
             <a:fld id="{4DE3B8FE-1D2D-49AE-BFC8-FB35E95B8F74}" type="datetimeFigureOut">
               <a:rPr lang="en-US" smtClean="0"/>
-              <a:t>12/4/2024</a:t>
+              <a:t>12/5/2024</a:t>
             </a:fld>
             <a:endParaRPr lang="en-US"/>
           </a:p>
@@ -3147,7 +3147,7 @@
           <a:p>
             <a:fld id="{4DE3B8FE-1D2D-49AE-BFC8-FB35E95B8F74}" type="datetimeFigureOut">
               <a:rPr lang="en-US" smtClean="0"/>
-              <a:t>12/4/2024</a:t>
+              <a:t>12/5/2024</a:t>
             </a:fld>
             <a:endParaRPr lang="en-US"/>
           </a:p>
@@ -3317,7 +3317,7 @@
           <a:p>
             <a:fld id="{4DE3B8FE-1D2D-49AE-BFC8-FB35E95B8F74}" type="datetimeFigureOut">
               <a:rPr lang="en-US" smtClean="0"/>
-              <a:t>12/4/2024</a:t>
+              <a:t>12/5/2024</a:t>
             </a:fld>
             <a:endParaRPr lang="en-US"/>
           </a:p>
@@ -3574,7 +3574,7 @@
           <a:p>
             <a:fld id="{4DE3B8FE-1D2D-49AE-BFC8-FB35E95B8F74}" type="datetimeFigureOut">
               <a:rPr lang="en-US" smtClean="0"/>
-              <a:t>12/4/2024</a:t>
+              <a:t>12/5/2024</a:t>
             </a:fld>
             <a:endParaRPr lang="en-US"/>
           </a:p>
@@ -3866,7 +3866,7 @@
           <a:p>
             <a:fld id="{4DE3B8FE-1D2D-49AE-BFC8-FB35E95B8F74}" type="datetimeFigureOut">
               <a:rPr lang="en-US" smtClean="0"/>
-              <a:t>12/4/2024</a:t>
+              <a:t>12/5/2024</a:t>
             </a:fld>
             <a:endParaRPr lang="en-US"/>
           </a:p>
@@ -4296,7 +4296,7 @@
           <a:p>
             <a:fld id="{4DE3B8FE-1D2D-49AE-BFC8-FB35E95B8F74}" type="datetimeFigureOut">
               <a:rPr lang="en-US" smtClean="0"/>
-              <a:t>12/4/2024</a:t>
+              <a:t>12/5/2024</a:t>
             </a:fld>
             <a:endParaRPr lang="en-US"/>
           </a:p>
@@ -4414,7 +4414,7 @@
           <a:p>
             <a:fld id="{4DE3B8FE-1D2D-49AE-BFC8-FB35E95B8F74}" type="datetimeFigureOut">
               <a:rPr lang="en-US" smtClean="0"/>
-              <a:t>12/4/2024</a:t>
+              <a:t>12/5/2024</a:t>
             </a:fld>
             <a:endParaRPr lang="en-US"/>
           </a:p>
@@ -4509,7 +4509,7 @@
           <a:p>
             <a:fld id="{4DE3B8FE-1D2D-49AE-BFC8-FB35E95B8F74}" type="datetimeFigureOut">
               <a:rPr lang="en-US" smtClean="0"/>
-              <a:t>12/4/2024</a:t>
+              <a:t>12/5/2024</a:t>
             </a:fld>
             <a:endParaRPr lang="en-US"/>
           </a:p>
@@ -4792,7 +4792,7 @@
           <a:p>
             <a:fld id="{4DE3B8FE-1D2D-49AE-BFC8-FB35E95B8F74}" type="datetimeFigureOut">
               <a:rPr lang="en-US" smtClean="0"/>
-              <a:t>12/4/2024</a:t>
+              <a:t>12/5/2024</a:t>
             </a:fld>
             <a:endParaRPr lang="en-US"/>
           </a:p>
@@ -5083,7 +5083,7 @@
           <a:p>
             <a:fld id="{4DE3B8FE-1D2D-49AE-BFC8-FB35E95B8F74}" type="datetimeFigureOut">
               <a:rPr lang="en-US" smtClean="0"/>
-              <a:t>12/4/2024</a:t>
+              <a:t>12/5/2024</a:t>
             </a:fld>
             <a:endParaRPr lang="en-US"/>
           </a:p>
@@ -5314,7 +5314,7 @@
           <a:p>
             <a:fld id="{4DE3B8FE-1D2D-49AE-BFC8-FB35E95B8F74}" type="datetimeFigureOut">
               <a:rPr lang="en-US" smtClean="0"/>
-              <a:t>12/4/2024</a:t>
+              <a:t>12/5/2024</a:t>
             </a:fld>
             <a:endParaRPr lang="en-US"/>
           </a:p>
@@ -6181,15 +6181,15 @@
           <a:p>
             <a:r>
               <a:rPr lang="hy-AM" dirty="0"/>
-              <a:t>Դաս։ 0</a:t>
+              <a:t>Դաս։ 10 </a:t>
             </a:r>
             <a:r>
               <a:rPr lang="en-US" dirty="0"/>
-              <a:t>9</a:t>
+              <a:t>Callback </a:t>
             </a:r>
             <a:r>
               <a:rPr lang="hy-AM" dirty="0"/>
-              <a:t> Սխալների որոնում, հետաձգված գործողություններ</a:t>
+              <a:t>հիմունքներ եվ ասինխրոնություն</a:t>
             </a:r>
             <a:endParaRPr lang="en-US" dirty="0"/>
           </a:p>
